--- a/vizsga1/Hálózati Infrastruktúra Tervezése és Kivitelezése ppt (2) (1).pptx
+++ b/vizsga1/Hálózati Infrastruktúra Tervezése és Kivitelezése ppt (2) (1).pptx
@@ -13,6 +13,7 @@
     <p:sldId id="265" r:id="rId7"/>
     <p:sldId id="261" r:id="rId8"/>
     <p:sldId id="264" r:id="rId9"/>
+    <p:sldId id="266" r:id="rId10"/>
   </p:sldIdLst>
   <p:sldSz cx="12192000" cy="6858000"/>
   <p:notesSz cx="6858000" cy="9144000"/>
@@ -364,7 +365,7 @@
           <a:p>
             <a:fld id="{EA61FFDA-4D01-43A1-8E0F-F3CCB963EDE5}" type="datetimeFigureOut">
               <a:rPr lang="hu-HU" smtClean="0"/>
-              <a:t>2025. 05. 16.</a:t>
+              <a:t>2025. 05. 21.</a:t>
             </a:fld>
             <a:endParaRPr lang="hu-HU"/>
           </a:p>
@@ -626,7 +627,7 @@
           <a:p>
             <a:fld id="{EA61FFDA-4D01-43A1-8E0F-F3CCB963EDE5}" type="datetimeFigureOut">
               <a:rPr lang="hu-HU" smtClean="0"/>
-              <a:t>2025. 05. 16.</a:t>
+              <a:t>2025. 05. 21.</a:t>
             </a:fld>
             <a:endParaRPr lang="hu-HU"/>
           </a:p>
@@ -861,7 +862,7 @@
           <a:p>
             <a:fld id="{EA61FFDA-4D01-43A1-8E0F-F3CCB963EDE5}" type="datetimeFigureOut">
               <a:rPr lang="hu-HU" smtClean="0"/>
-              <a:t>2025. 05. 16.</a:t>
+              <a:t>2025. 05. 21.</a:t>
             </a:fld>
             <a:endParaRPr lang="hu-HU"/>
           </a:p>
@@ -1101,7 +1102,7 @@
           <a:p>
             <a:fld id="{EA61FFDA-4D01-43A1-8E0F-F3CCB963EDE5}" type="datetimeFigureOut">
               <a:rPr lang="hu-HU" smtClean="0"/>
-              <a:t>2025. 05. 16.</a:t>
+              <a:t>2025. 05. 21.</a:t>
             </a:fld>
             <a:endParaRPr lang="hu-HU"/>
           </a:p>
@@ -1408,7 +1409,7 @@
           <a:p>
             <a:fld id="{EA61FFDA-4D01-43A1-8E0F-F3CCB963EDE5}" type="datetimeFigureOut">
               <a:rPr lang="hu-HU" smtClean="0"/>
-              <a:t>2025. 05. 16.</a:t>
+              <a:t>2025. 05. 21.</a:t>
             </a:fld>
             <a:endParaRPr lang="hu-HU"/>
           </a:p>
@@ -1710,7 +1711,7 @@
           <a:p>
             <a:fld id="{EA61FFDA-4D01-43A1-8E0F-F3CCB963EDE5}" type="datetimeFigureOut">
               <a:rPr lang="hu-HU" smtClean="0"/>
-              <a:t>2025. 05. 16.</a:t>
+              <a:t>2025. 05. 21.</a:t>
             </a:fld>
             <a:endParaRPr lang="hu-HU"/>
           </a:p>
@@ -2132,7 +2133,7 @@
           <a:p>
             <a:fld id="{EA61FFDA-4D01-43A1-8E0F-F3CCB963EDE5}" type="datetimeFigureOut">
               <a:rPr lang="hu-HU" smtClean="0"/>
-              <a:t>2025. 05. 16.</a:t>
+              <a:t>2025. 05. 21.</a:t>
             </a:fld>
             <a:endParaRPr lang="hu-HU"/>
           </a:p>
@@ -2227,7 +2228,7 @@
           <a:p>
             <a:fld id="{EA61FFDA-4D01-43A1-8E0F-F3CCB963EDE5}" type="datetimeFigureOut">
               <a:rPr lang="hu-HU" smtClean="0"/>
-              <a:t>2025. 05. 16.</a:t>
+              <a:t>2025. 05. 21.</a:t>
             </a:fld>
             <a:endParaRPr lang="hu-HU"/>
           </a:p>
@@ -2389,7 +2390,7 @@
           <a:p>
             <a:fld id="{EA61FFDA-4D01-43A1-8E0F-F3CCB963EDE5}" type="datetimeFigureOut">
               <a:rPr lang="hu-HU" smtClean="0"/>
-              <a:t>2025. 05. 16.</a:t>
+              <a:t>2025. 05. 21.</a:t>
             </a:fld>
             <a:endParaRPr lang="hu-HU"/>
           </a:p>
@@ -2767,7 +2768,7 @@
           <a:p>
             <a:fld id="{EA61FFDA-4D01-43A1-8E0F-F3CCB963EDE5}" type="datetimeFigureOut">
               <a:rPr lang="hu-HU" smtClean="0"/>
-              <a:t>2025. 05. 16.</a:t>
+              <a:t>2025. 05. 21.</a:t>
             </a:fld>
             <a:endParaRPr lang="hu-HU"/>
           </a:p>
@@ -3056,7 +3057,7 @@
           <a:p>
             <a:fld id="{EA61FFDA-4D01-43A1-8E0F-F3CCB963EDE5}" type="datetimeFigureOut">
               <a:rPr lang="hu-HU" smtClean="0"/>
-              <a:t>2025. 05. 16.</a:t>
+              <a:t>2025. 05. 21.</a:t>
             </a:fld>
             <a:endParaRPr lang="hu-HU"/>
           </a:p>
@@ -3267,7 +3268,7 @@
           <a:p>
             <a:fld id="{EA61FFDA-4D01-43A1-8E0F-F3CCB963EDE5}" type="datetimeFigureOut">
               <a:rPr lang="hu-HU" smtClean="0"/>
-              <a:t>2025. 05. 16.</a:t>
+              <a:t>2025. 05. 21.</a:t>
             </a:fld>
             <a:endParaRPr lang="hu-HU"/>
           </a:p>
@@ -4009,6 +4010,18 @@
   <p:clrMapOvr>
     <a:masterClrMapping/>
   </p:clrMapOvr>
+  <mc:AlternateContent xmlns:mc="http://schemas.openxmlformats.org/markup-compatibility/2006">
+    <mc:Choice xmlns:p159="http://schemas.microsoft.com/office/powerpoint/2015/09/main" Requires="p159">
+      <p:transition xmlns:p14="http://schemas.microsoft.com/office/powerpoint/2010/main" spd="slow" p14:dur="2000">
+        <p159:morph option="byObject"/>
+      </p:transition>
+    </mc:Choice>
+    <mc:Fallback>
+      <p:transition spd="slow">
+        <p:fade/>
+      </p:transition>
+    </mc:Fallback>
+  </mc:AlternateContent>
 </p:sld>
 </file>
 
@@ -4126,6 +4139,18 @@
   <p:clrMapOvr>
     <a:masterClrMapping/>
   </p:clrMapOvr>
+  <mc:AlternateContent xmlns:mc="http://schemas.openxmlformats.org/markup-compatibility/2006">
+    <mc:Choice xmlns:p159="http://schemas.microsoft.com/office/powerpoint/2015/09/main" Requires="p159">
+      <p:transition xmlns:p14="http://schemas.microsoft.com/office/powerpoint/2010/main" spd="slow" p14:dur="2000">
+        <p159:morph option="byObject"/>
+      </p:transition>
+    </mc:Choice>
+    <mc:Fallback>
+      <p:transition spd="slow">
+        <p:fade/>
+      </p:transition>
+    </mc:Fallback>
+  </mc:AlternateContent>
 </p:sld>
 </file>
 
@@ -4174,7 +4199,7 @@
                 </a:solidFill>
                 <a:latin typeface="Arial Black" panose="020B0A04020102020204" pitchFamily="34" charset="0"/>
               </a:rPr>
-              <a:t>Eszközök</a:t>
+              <a:t>Használt Eszközök</a:t>
             </a:r>
             <a:br>
               <a:rPr lang="hu-HU" b="1" dirty="0"/>
@@ -4514,6 +4539,18 @@
   <p:clrMapOvr>
     <a:masterClrMapping/>
   </p:clrMapOvr>
+  <mc:AlternateContent xmlns:mc="http://schemas.openxmlformats.org/markup-compatibility/2006">
+    <mc:Choice xmlns:p159="http://schemas.microsoft.com/office/powerpoint/2015/09/main" Requires="p159">
+      <p:transition xmlns:p14="http://schemas.microsoft.com/office/powerpoint/2010/main" spd="slow" p14:dur="2000">
+        <p159:morph option="byObject"/>
+      </p:transition>
+    </mc:Choice>
+    <mc:Fallback>
+      <p:transition spd="slow">
+        <p:fade/>
+      </p:transition>
+    </mc:Fallback>
+  </mc:AlternateContent>
 </p:sld>
 </file>
 
@@ -4633,6 +4670,147 @@
           </a:prstGeom>
         </p:spPr>
       </p:pic>
+      <p:sp>
+        <p:nvSpPr>
+          <p:cNvPr id="3" name="Szövegdoboz 2">
+            <a:extLst>
+              <a:ext uri="{FF2B5EF4-FFF2-40B4-BE49-F238E27FC236}">
+                <a16:creationId xmlns:a16="http://schemas.microsoft.com/office/drawing/2014/main" id="{2B8F7127-A851-D264-86D5-6547B7C60E17}"/>
+              </a:ext>
+            </a:extLst>
+          </p:cNvPr>
+          <p:cNvSpPr txBox="1"/>
+          <p:nvPr/>
+        </p:nvSpPr>
+        <p:spPr>
+          <a:xfrm>
+            <a:off x="389727" y="6155844"/>
+            <a:ext cx="1235723" cy="553998"/>
+          </a:xfrm>
+          <a:prstGeom prst="rect">
+            <a:avLst/>
+          </a:prstGeom>
+          <a:noFill/>
+        </p:spPr>
+        <p:txBody>
+          <a:bodyPr wrap="none" rtlCol="0">
+            <a:spAutoFit/>
+          </a:bodyPr>
+          <a:lstStyle/>
+          <a:p>
+            <a:pPr algn="ctr"/>
+            <a:r>
+              <a:rPr lang="hu-HU" sz="1200" b="1" i="1" dirty="0">
+                <a:latin typeface="Gill Sans MT" panose="020B0502020104020203" pitchFamily="34" charset="-18"/>
+                <a:cs typeface="Calibri" panose="020F0502020204030204" pitchFamily="34" charset="0"/>
+              </a:rPr>
+              <a:t>Keleti Telephely</a:t>
+            </a:r>
+            <a:endParaRPr lang="hu-HU" sz="1200" i="1" dirty="0">
+              <a:latin typeface="Gill Sans MT" panose="020B0502020104020203" pitchFamily="34" charset="-18"/>
+              <a:cs typeface="Calibri" panose="020F0502020204030204" pitchFamily="34" charset="0"/>
+            </a:endParaRPr>
+          </a:p>
+          <a:p>
+            <a:pPr algn="ctr"/>
+            <a:endParaRPr lang="hu-HU" dirty="0"/>
+          </a:p>
+        </p:txBody>
+      </p:sp>
+      <p:sp>
+        <p:nvSpPr>
+          <p:cNvPr id="6" name="Szövegdoboz 5">
+            <a:extLst>
+              <a:ext uri="{FF2B5EF4-FFF2-40B4-BE49-F238E27FC236}">
+                <a16:creationId xmlns:a16="http://schemas.microsoft.com/office/drawing/2014/main" id="{6ECCBFBB-0A47-86A1-0B7C-3EC41F75FD7C}"/>
+              </a:ext>
+            </a:extLst>
+          </p:cNvPr>
+          <p:cNvSpPr txBox="1"/>
+          <p:nvPr/>
+        </p:nvSpPr>
+        <p:spPr>
+          <a:xfrm>
+            <a:off x="4146866" y="6161409"/>
+            <a:ext cx="777777" cy="553998"/>
+          </a:xfrm>
+          <a:prstGeom prst="rect">
+            <a:avLst/>
+          </a:prstGeom>
+          <a:noFill/>
+        </p:spPr>
+        <p:txBody>
+          <a:bodyPr wrap="none" rtlCol="0">
+            <a:spAutoFit/>
+          </a:bodyPr>
+          <a:lstStyle/>
+          <a:p>
+            <a:pPr algn="ctr"/>
+            <a:r>
+              <a:rPr lang="hu-HU" sz="1200" b="1" i="1" dirty="0">
+                <a:latin typeface="Gill Sans MT" panose="020B0502020104020203" pitchFamily="34" charset="-18"/>
+                <a:cs typeface="Calibri" panose="020F0502020204030204" pitchFamily="34" charset="0"/>
+              </a:rPr>
+              <a:t>Centrum</a:t>
+            </a:r>
+            <a:endParaRPr lang="hu-HU" sz="1200" i="1" dirty="0">
+              <a:latin typeface="Gill Sans MT" panose="020B0502020104020203" pitchFamily="34" charset="-18"/>
+              <a:cs typeface="Calibri" panose="020F0502020204030204" pitchFamily="34" charset="0"/>
+            </a:endParaRPr>
+          </a:p>
+          <a:p>
+            <a:pPr algn="ctr"/>
+            <a:endParaRPr lang="hu-HU" dirty="0"/>
+          </a:p>
+        </p:txBody>
+      </p:sp>
+      <p:sp>
+        <p:nvSpPr>
+          <p:cNvPr id="7" name="Szövegdoboz 6">
+            <a:extLst>
+              <a:ext uri="{FF2B5EF4-FFF2-40B4-BE49-F238E27FC236}">
+                <a16:creationId xmlns:a16="http://schemas.microsoft.com/office/drawing/2014/main" id="{B2856C37-6306-98F9-2C5A-F490E5BE6378}"/>
+              </a:ext>
+            </a:extLst>
+          </p:cNvPr>
+          <p:cNvSpPr txBox="1"/>
+          <p:nvPr/>
+        </p:nvSpPr>
+        <p:spPr>
+          <a:xfrm>
+            <a:off x="8097221" y="6155844"/>
+            <a:ext cx="1382238" cy="553998"/>
+          </a:xfrm>
+          <a:prstGeom prst="rect">
+            <a:avLst/>
+          </a:prstGeom>
+          <a:noFill/>
+        </p:spPr>
+        <p:txBody>
+          <a:bodyPr wrap="none" rtlCol="0">
+            <a:spAutoFit/>
+          </a:bodyPr>
+          <a:lstStyle/>
+          <a:p>
+            <a:pPr algn="ctr"/>
+            <a:r>
+              <a:rPr lang="hu-HU" sz="1200" b="1" i="1" dirty="0">
+                <a:latin typeface="Gill Sans MT" panose="020B0502020104020203" pitchFamily="34" charset="-18"/>
+                <a:cs typeface="Calibri" panose="020F0502020204030204" pitchFamily="34" charset="0"/>
+              </a:rPr>
+              <a:t>Nyugati Telephely</a:t>
+            </a:r>
+            <a:endParaRPr lang="hu-HU" sz="1200" i="1" dirty="0">
+              <a:latin typeface="Gill Sans MT" panose="020B0502020104020203" pitchFamily="34" charset="-18"/>
+              <a:cs typeface="Calibri" panose="020F0502020204030204" pitchFamily="34" charset="0"/>
+            </a:endParaRPr>
+          </a:p>
+          <a:p>
+            <a:pPr algn="ctr"/>
+            <a:endParaRPr lang="hu-HU" dirty="0"/>
+          </a:p>
+        </p:txBody>
+      </p:sp>
     </p:spTree>
     <p:extLst>
       <p:ext uri="{BB962C8B-B14F-4D97-AF65-F5344CB8AC3E}">
@@ -4643,6 +4821,18 @@
   <p:clrMapOvr>
     <a:masterClrMapping/>
   </p:clrMapOvr>
+  <mc:AlternateContent xmlns:mc="http://schemas.openxmlformats.org/markup-compatibility/2006">
+    <mc:Choice xmlns:p159="http://schemas.microsoft.com/office/powerpoint/2015/09/main" Requires="p159">
+      <p:transition xmlns:p14="http://schemas.microsoft.com/office/powerpoint/2010/main" spd="slow" p14:dur="2000">
+        <p159:morph option="byObject"/>
+      </p:transition>
+    </mc:Choice>
+    <mc:Fallback>
+      <p:transition spd="slow">
+        <p:fade/>
+      </p:transition>
+    </mc:Fallback>
+  </mc:AlternateContent>
 </p:sld>
 </file>
 
@@ -4780,6 +4970,18 @@
   <p:clrMapOvr>
     <a:masterClrMapping/>
   </p:clrMapOvr>
+  <mc:AlternateContent xmlns:mc="http://schemas.openxmlformats.org/markup-compatibility/2006">
+    <mc:Choice xmlns:p159="http://schemas.microsoft.com/office/powerpoint/2015/09/main" Requires="p159">
+      <p:transition xmlns:p14="http://schemas.microsoft.com/office/powerpoint/2010/main" spd="slow" p14:dur="2000">
+        <p159:morph option="byObject"/>
+      </p:transition>
+    </mc:Choice>
+    <mc:Fallback>
+      <p:transition spd="slow">
+        <p:fade/>
+      </p:transition>
+    </mc:Fallback>
+  </mc:AlternateContent>
 </p:sld>
 </file>
 
@@ -4882,6 +5084,18 @@
   <p:clrMapOvr>
     <a:masterClrMapping/>
   </p:clrMapOvr>
+  <mc:AlternateContent xmlns:mc="http://schemas.openxmlformats.org/markup-compatibility/2006">
+    <mc:Choice xmlns:p159="http://schemas.microsoft.com/office/powerpoint/2015/09/main" Requires="p159">
+      <p:transition xmlns:p14="http://schemas.microsoft.com/office/powerpoint/2010/main" spd="slow" p14:dur="2000">
+        <p159:morph option="byObject"/>
+      </p:transition>
+    </mc:Choice>
+    <mc:Fallback>
+      <p:transition spd="slow">
+        <p:fade/>
+      </p:transition>
+    </mc:Fallback>
+  </mc:AlternateContent>
 </p:sld>
 </file>
 
@@ -5027,104 +5241,442 @@
             </a:endParaRPr>
           </a:p>
           <a:p>
-            <a:pPr>
-              <a:buFont typeface="Wingdings" panose="05000000000000000000" pitchFamily="2" charset="2"/>
-              <a:buChar char="§"/>
-            </a:pPr>
-            <a:r>
-              <a:rPr lang="hu-HU">
+            <a:pPr lvl="1"/>
+            <a:r>
+              <a:rPr lang="hu-HU" sz="1800" dirty="0">
                 <a:solidFill>
                   <a:schemeClr val="tx1"/>
                 </a:solidFill>
                 <a:latin typeface="Times New Roman" panose="02020603050405020304" pitchFamily="18" charset="0"/>
                 <a:cs typeface="Times New Roman" panose="02020603050405020304" pitchFamily="18" charset="0"/>
               </a:rPr>
-              <a:t>VLAN,</a:t>
-            </a:r>
-            <a:endParaRPr lang="hu-HU" dirty="0">
-              <a:solidFill>
-                <a:schemeClr val="tx1"/>
-              </a:solidFill>
-              <a:latin typeface="Times New Roman" panose="02020603050405020304" pitchFamily="18" charset="0"/>
-              <a:cs typeface="Times New Roman" panose="02020603050405020304" pitchFamily="18" charset="0"/>
-            </a:endParaRPr>
-          </a:p>
-          <a:p>
-            <a:pPr>
-              <a:buFont typeface="Wingdings" panose="05000000000000000000" pitchFamily="2" charset="2"/>
-              <a:buChar char="§"/>
-            </a:pPr>
-            <a:r>
-              <a:rPr lang="hu-HU" dirty="0">
+              <a:t>DHCP (</a:t>
+            </a:r>
+            <a:r>
+              <a:rPr lang="hu-HU" sz="1800" dirty="0" err="1">
                 <a:solidFill>
                   <a:schemeClr val="tx1"/>
                 </a:solidFill>
                 <a:latin typeface="Times New Roman" panose="02020603050405020304" pitchFamily="18" charset="0"/>
                 <a:cs typeface="Times New Roman" panose="02020603050405020304" pitchFamily="18" charset="0"/>
               </a:rPr>
-              <a:t>VSRP,</a:t>
-            </a:r>
-          </a:p>
-          <a:p>
-            <a:pPr>
-              <a:buFont typeface="Wingdings" panose="05000000000000000000" pitchFamily="2" charset="2"/>
-              <a:buChar char="§"/>
-            </a:pPr>
-            <a:r>
-              <a:rPr lang="hu-HU" dirty="0">
+              <a:t>Dynamic</a:t>
+            </a:r>
+            <a:r>
+              <a:rPr lang="hu-HU" sz="1800" dirty="0">
                 <a:solidFill>
                   <a:schemeClr val="tx1"/>
                 </a:solidFill>
                 <a:latin typeface="Times New Roman" panose="02020603050405020304" pitchFamily="18" charset="0"/>
                 <a:cs typeface="Times New Roman" panose="02020603050405020304" pitchFamily="18" charset="0"/>
               </a:rPr>
-              <a:t>OSPF,</a:t>
-            </a:r>
-          </a:p>
-          <a:p>
-            <a:pPr>
-              <a:buFont typeface="Wingdings" panose="05000000000000000000" pitchFamily="2" charset="2"/>
-              <a:buChar char="§"/>
-            </a:pPr>
-            <a:r>
-              <a:rPr lang="hu-HU" dirty="0">
+              <a:t> </a:t>
+            </a:r>
+            <a:r>
+              <a:rPr lang="hu-HU" sz="1800" dirty="0" err="1">
                 <a:solidFill>
                   <a:schemeClr val="tx1"/>
                 </a:solidFill>
                 <a:latin typeface="Times New Roman" panose="02020603050405020304" pitchFamily="18" charset="0"/>
                 <a:cs typeface="Times New Roman" panose="02020603050405020304" pitchFamily="18" charset="0"/>
               </a:rPr>
-              <a:t>WAN,</a:t>
-            </a:r>
-          </a:p>
-          <a:p>
-            <a:pPr>
-              <a:buFont typeface="Wingdings" panose="05000000000000000000" pitchFamily="2" charset="2"/>
-              <a:buChar char="§"/>
-            </a:pPr>
-            <a:r>
-              <a:rPr lang="hu-HU" dirty="0">
+              <a:t>Host</a:t>
+            </a:r>
+            <a:r>
+              <a:rPr lang="hu-HU" sz="1800" dirty="0">
                 <a:solidFill>
                   <a:schemeClr val="tx1"/>
                 </a:solidFill>
                 <a:latin typeface="Times New Roman" panose="02020603050405020304" pitchFamily="18" charset="0"/>
                 <a:cs typeface="Times New Roman" panose="02020603050405020304" pitchFamily="18" charset="0"/>
               </a:rPr>
-              <a:t>DHCP,</a:t>
-            </a:r>
-          </a:p>
-          <a:p>
-            <a:pPr>
-              <a:buFont typeface="Wingdings" panose="05000000000000000000" pitchFamily="2" charset="2"/>
-              <a:buChar char="§"/>
-            </a:pPr>
-            <a:endParaRPr lang="hu-HU" dirty="0">
-              <a:solidFill>
-                <a:schemeClr val="tx1"/>
-              </a:solidFill>
-              <a:latin typeface="Times New Roman" panose="02020603050405020304" pitchFamily="18" charset="0"/>
-              <a:cs typeface="Times New Roman" panose="02020603050405020304" pitchFamily="18" charset="0"/>
-            </a:endParaRPr>
+              <a:t> </a:t>
+            </a:r>
+            <a:r>
+              <a:rPr lang="hu-HU" sz="1800" dirty="0" err="1">
+                <a:solidFill>
+                  <a:schemeClr val="tx1"/>
+                </a:solidFill>
+                <a:latin typeface="Times New Roman" panose="02020603050405020304" pitchFamily="18" charset="0"/>
+                <a:cs typeface="Times New Roman" panose="02020603050405020304" pitchFamily="18" charset="0"/>
+              </a:rPr>
+              <a:t>Configuration</a:t>
+            </a:r>
+            <a:r>
+              <a:rPr lang="hu-HU" sz="1800" dirty="0">
+                <a:solidFill>
+                  <a:schemeClr val="tx1"/>
+                </a:solidFill>
+                <a:latin typeface="Times New Roman" panose="02020603050405020304" pitchFamily="18" charset="0"/>
+                <a:cs typeface="Times New Roman" panose="02020603050405020304" pitchFamily="18" charset="0"/>
+              </a:rPr>
+              <a:t> </a:t>
+            </a:r>
+            <a:r>
+              <a:rPr lang="hu-HU" sz="1800" dirty="0" err="1">
+                <a:solidFill>
+                  <a:schemeClr val="tx1"/>
+                </a:solidFill>
+                <a:latin typeface="Times New Roman" panose="02020603050405020304" pitchFamily="18" charset="0"/>
+                <a:cs typeface="Times New Roman" panose="02020603050405020304" pitchFamily="18" charset="0"/>
+              </a:rPr>
+              <a:t>Protocol</a:t>
+            </a:r>
+            <a:r>
+              <a:rPr lang="hu-HU" sz="1800" dirty="0">
+                <a:solidFill>
+                  <a:schemeClr val="tx1"/>
+                </a:solidFill>
+                <a:latin typeface="Times New Roman" panose="02020603050405020304" pitchFamily="18" charset="0"/>
+                <a:cs typeface="Times New Roman" panose="02020603050405020304" pitchFamily="18" charset="0"/>
+              </a:rPr>
+              <a:t>)</a:t>
+            </a:r>
+          </a:p>
+          <a:p>
+            <a:pPr lvl="1"/>
+            <a:r>
+              <a:rPr lang="hu-HU" sz="1800" dirty="0">
+                <a:solidFill>
+                  <a:schemeClr val="tx1"/>
+                </a:solidFill>
+                <a:latin typeface="Times New Roman" panose="02020603050405020304" pitchFamily="18" charset="0"/>
+                <a:cs typeface="Times New Roman" panose="02020603050405020304" pitchFamily="18" charset="0"/>
+              </a:rPr>
+              <a:t>VLAN (</a:t>
+            </a:r>
+            <a:r>
+              <a:rPr lang="hu-HU" sz="1800" dirty="0" err="1">
+                <a:solidFill>
+                  <a:schemeClr val="tx1"/>
+                </a:solidFill>
+                <a:latin typeface="Times New Roman" panose="02020603050405020304" pitchFamily="18" charset="0"/>
+                <a:cs typeface="Times New Roman" panose="02020603050405020304" pitchFamily="18" charset="0"/>
+              </a:rPr>
+              <a:t>Virtual</a:t>
+            </a:r>
+            <a:r>
+              <a:rPr lang="hu-HU" sz="1800" dirty="0">
+                <a:solidFill>
+                  <a:schemeClr val="tx1"/>
+                </a:solidFill>
+                <a:latin typeface="Times New Roman" panose="02020603050405020304" pitchFamily="18" charset="0"/>
+                <a:cs typeface="Times New Roman" panose="02020603050405020304" pitchFamily="18" charset="0"/>
+              </a:rPr>
+              <a:t> Local </a:t>
+            </a:r>
+            <a:r>
+              <a:rPr lang="hu-HU" sz="1800" dirty="0" err="1">
+                <a:solidFill>
+                  <a:schemeClr val="tx1"/>
+                </a:solidFill>
+                <a:latin typeface="Times New Roman" panose="02020603050405020304" pitchFamily="18" charset="0"/>
+                <a:cs typeface="Times New Roman" panose="02020603050405020304" pitchFamily="18" charset="0"/>
+              </a:rPr>
+              <a:t>Area</a:t>
+            </a:r>
+            <a:r>
+              <a:rPr lang="hu-HU" sz="1800" dirty="0">
+                <a:solidFill>
+                  <a:schemeClr val="tx1"/>
+                </a:solidFill>
+                <a:latin typeface="Times New Roman" panose="02020603050405020304" pitchFamily="18" charset="0"/>
+                <a:cs typeface="Times New Roman" panose="02020603050405020304" pitchFamily="18" charset="0"/>
+              </a:rPr>
+              <a:t> Network)</a:t>
+            </a:r>
+          </a:p>
+          <a:p>
+            <a:pPr lvl="1"/>
+            <a:r>
+              <a:rPr lang="hu-HU" sz="1800" dirty="0">
+                <a:solidFill>
+                  <a:schemeClr val="tx1"/>
+                </a:solidFill>
+                <a:latin typeface="Times New Roman" panose="02020603050405020304" pitchFamily="18" charset="0"/>
+                <a:cs typeface="Times New Roman" panose="02020603050405020304" pitchFamily="18" charset="0"/>
+              </a:rPr>
+              <a:t>OSPF (Open </a:t>
+            </a:r>
+            <a:r>
+              <a:rPr lang="hu-HU" sz="1800" dirty="0" err="1">
+                <a:solidFill>
+                  <a:schemeClr val="tx1"/>
+                </a:solidFill>
+                <a:latin typeface="Times New Roman" panose="02020603050405020304" pitchFamily="18" charset="0"/>
+                <a:cs typeface="Times New Roman" panose="02020603050405020304" pitchFamily="18" charset="0"/>
+              </a:rPr>
+              <a:t>Shortest</a:t>
+            </a:r>
+            <a:r>
+              <a:rPr lang="hu-HU" sz="1800" dirty="0">
+                <a:solidFill>
+                  <a:schemeClr val="tx1"/>
+                </a:solidFill>
+                <a:latin typeface="Times New Roman" panose="02020603050405020304" pitchFamily="18" charset="0"/>
+                <a:cs typeface="Times New Roman" panose="02020603050405020304" pitchFamily="18" charset="0"/>
+              </a:rPr>
+              <a:t> </a:t>
+            </a:r>
+            <a:r>
+              <a:rPr lang="hu-HU" sz="1800" dirty="0" err="1">
+                <a:solidFill>
+                  <a:schemeClr val="tx1"/>
+                </a:solidFill>
+                <a:latin typeface="Times New Roman" panose="02020603050405020304" pitchFamily="18" charset="0"/>
+                <a:cs typeface="Times New Roman" panose="02020603050405020304" pitchFamily="18" charset="0"/>
+              </a:rPr>
+              <a:t>Path</a:t>
+            </a:r>
+            <a:r>
+              <a:rPr lang="hu-HU" sz="1800" dirty="0">
+                <a:solidFill>
+                  <a:schemeClr val="tx1"/>
+                </a:solidFill>
+                <a:latin typeface="Times New Roman" panose="02020603050405020304" pitchFamily="18" charset="0"/>
+                <a:cs typeface="Times New Roman" panose="02020603050405020304" pitchFamily="18" charset="0"/>
+              </a:rPr>
+              <a:t> </a:t>
+            </a:r>
+            <a:r>
+              <a:rPr lang="hu-HU" sz="1800" dirty="0" err="1">
+                <a:solidFill>
+                  <a:schemeClr val="tx1"/>
+                </a:solidFill>
+                <a:latin typeface="Times New Roman" panose="02020603050405020304" pitchFamily="18" charset="0"/>
+                <a:cs typeface="Times New Roman" panose="02020603050405020304" pitchFamily="18" charset="0"/>
+              </a:rPr>
+              <a:t>First</a:t>
+            </a:r>
+            <a:r>
+              <a:rPr lang="hu-HU" sz="1800" dirty="0">
+                <a:solidFill>
+                  <a:schemeClr val="tx1"/>
+                </a:solidFill>
+                <a:latin typeface="Times New Roman" panose="02020603050405020304" pitchFamily="18" charset="0"/>
+                <a:cs typeface="Times New Roman" panose="02020603050405020304" pitchFamily="18" charset="0"/>
+              </a:rPr>
+              <a:t>)</a:t>
+            </a:r>
+          </a:p>
+          <a:p>
+            <a:pPr lvl="1"/>
+            <a:r>
+              <a:rPr lang="hu-HU" sz="1800" dirty="0">
+                <a:solidFill>
+                  <a:schemeClr val="tx1"/>
+                </a:solidFill>
+                <a:latin typeface="Times New Roman" panose="02020603050405020304" pitchFamily="18" charset="0"/>
+                <a:cs typeface="Times New Roman" panose="02020603050405020304" pitchFamily="18" charset="0"/>
+              </a:rPr>
+              <a:t>WAN  (Wide </a:t>
+            </a:r>
+            <a:r>
+              <a:rPr lang="hu-HU" sz="1800" dirty="0" err="1">
+                <a:solidFill>
+                  <a:schemeClr val="tx1"/>
+                </a:solidFill>
+                <a:latin typeface="Times New Roman" panose="02020603050405020304" pitchFamily="18" charset="0"/>
+                <a:cs typeface="Times New Roman" panose="02020603050405020304" pitchFamily="18" charset="0"/>
+              </a:rPr>
+              <a:t>Area</a:t>
+            </a:r>
+            <a:r>
+              <a:rPr lang="hu-HU" sz="1800" dirty="0">
+                <a:solidFill>
+                  <a:schemeClr val="tx1"/>
+                </a:solidFill>
+                <a:latin typeface="Times New Roman" panose="02020603050405020304" pitchFamily="18" charset="0"/>
+                <a:cs typeface="Times New Roman" panose="02020603050405020304" pitchFamily="18" charset="0"/>
+              </a:rPr>
+              <a:t> Network)</a:t>
+            </a:r>
+          </a:p>
+          <a:p>
+            <a:pPr lvl="1"/>
+            <a:r>
+              <a:rPr lang="hu-HU" sz="1800" dirty="0">
+                <a:solidFill>
+                  <a:schemeClr val="tx1"/>
+                </a:solidFill>
+                <a:latin typeface="Times New Roman" panose="02020603050405020304" pitchFamily="18" charset="0"/>
+                <a:cs typeface="Times New Roman" panose="02020603050405020304" pitchFamily="18" charset="0"/>
+              </a:rPr>
+              <a:t>VSRP, HSRP (</a:t>
+            </a:r>
+            <a:r>
+              <a:rPr lang="hu-HU" sz="1800" dirty="0" err="1">
+                <a:solidFill>
+                  <a:schemeClr val="tx1"/>
+                </a:solidFill>
+                <a:latin typeface="Times New Roman" panose="02020603050405020304" pitchFamily="18" charset="0"/>
+                <a:cs typeface="Times New Roman" panose="02020603050405020304" pitchFamily="18" charset="0"/>
+              </a:rPr>
+              <a:t>Virtual</a:t>
+            </a:r>
+            <a:r>
+              <a:rPr lang="hu-HU" sz="1800" dirty="0">
+                <a:solidFill>
+                  <a:schemeClr val="tx1"/>
+                </a:solidFill>
+                <a:latin typeface="Times New Roman" panose="02020603050405020304" pitchFamily="18" charset="0"/>
+                <a:cs typeface="Times New Roman" panose="02020603050405020304" pitchFamily="18" charset="0"/>
+              </a:rPr>
+              <a:t> </a:t>
+            </a:r>
+            <a:r>
+              <a:rPr lang="hu-HU" sz="1800" dirty="0" err="1">
+                <a:solidFill>
+                  <a:schemeClr val="tx1"/>
+                </a:solidFill>
+                <a:latin typeface="Times New Roman" panose="02020603050405020304" pitchFamily="18" charset="0"/>
+                <a:cs typeface="Times New Roman" panose="02020603050405020304" pitchFamily="18" charset="0"/>
+              </a:rPr>
+              <a:t>Switch</a:t>
+            </a:r>
+            <a:r>
+              <a:rPr lang="hu-HU" sz="1800" dirty="0">
+                <a:solidFill>
+                  <a:schemeClr val="tx1"/>
+                </a:solidFill>
+                <a:latin typeface="Times New Roman" panose="02020603050405020304" pitchFamily="18" charset="0"/>
+                <a:cs typeface="Times New Roman" panose="02020603050405020304" pitchFamily="18" charset="0"/>
+              </a:rPr>
+              <a:t> </a:t>
+            </a:r>
+            <a:r>
+              <a:rPr lang="hu-HU" sz="1800" dirty="0" err="1">
+                <a:solidFill>
+                  <a:schemeClr val="tx1"/>
+                </a:solidFill>
+                <a:latin typeface="Times New Roman" panose="02020603050405020304" pitchFamily="18" charset="0"/>
+                <a:cs typeface="Times New Roman" panose="02020603050405020304" pitchFamily="18" charset="0"/>
+              </a:rPr>
+              <a:t>Redundancy</a:t>
+            </a:r>
+            <a:r>
+              <a:rPr lang="hu-HU" sz="1800" dirty="0">
+                <a:solidFill>
+                  <a:schemeClr val="tx1"/>
+                </a:solidFill>
+                <a:latin typeface="Times New Roman" panose="02020603050405020304" pitchFamily="18" charset="0"/>
+                <a:cs typeface="Times New Roman" panose="02020603050405020304" pitchFamily="18" charset="0"/>
+              </a:rPr>
+              <a:t> </a:t>
+            </a:r>
+            <a:r>
+              <a:rPr lang="hu-HU" sz="1800" dirty="0" err="1">
+                <a:solidFill>
+                  <a:schemeClr val="tx1"/>
+                </a:solidFill>
+                <a:latin typeface="Times New Roman" panose="02020603050405020304" pitchFamily="18" charset="0"/>
+                <a:cs typeface="Times New Roman" panose="02020603050405020304" pitchFamily="18" charset="0"/>
+              </a:rPr>
+              <a:t>Protocol</a:t>
+            </a:r>
+            <a:r>
+              <a:rPr lang="hu-HU" sz="1800" dirty="0">
+                <a:solidFill>
+                  <a:schemeClr val="tx1"/>
+                </a:solidFill>
+                <a:latin typeface="Times New Roman" panose="02020603050405020304" pitchFamily="18" charset="0"/>
+                <a:cs typeface="Times New Roman" panose="02020603050405020304" pitchFamily="18" charset="0"/>
+              </a:rPr>
+              <a:t>, Hot </a:t>
+            </a:r>
+            <a:r>
+              <a:rPr lang="hu-HU" sz="1800" dirty="0" err="1">
+                <a:solidFill>
+                  <a:schemeClr val="tx1"/>
+                </a:solidFill>
+                <a:latin typeface="Times New Roman" panose="02020603050405020304" pitchFamily="18" charset="0"/>
+                <a:cs typeface="Times New Roman" panose="02020603050405020304" pitchFamily="18" charset="0"/>
+              </a:rPr>
+              <a:t>Standby</a:t>
+            </a:r>
+            <a:r>
+              <a:rPr lang="hu-HU" sz="1800" dirty="0">
+                <a:solidFill>
+                  <a:schemeClr val="tx1"/>
+                </a:solidFill>
+                <a:latin typeface="Times New Roman" panose="02020603050405020304" pitchFamily="18" charset="0"/>
+                <a:cs typeface="Times New Roman" panose="02020603050405020304" pitchFamily="18" charset="0"/>
+              </a:rPr>
+              <a:t> Router </a:t>
+            </a:r>
+            <a:r>
+              <a:rPr lang="hu-HU" sz="1800" dirty="0" err="1">
+                <a:solidFill>
+                  <a:schemeClr val="tx1"/>
+                </a:solidFill>
+                <a:latin typeface="Times New Roman" panose="02020603050405020304" pitchFamily="18" charset="0"/>
+                <a:cs typeface="Times New Roman" panose="02020603050405020304" pitchFamily="18" charset="0"/>
+              </a:rPr>
+              <a:t>Protocol</a:t>
+            </a:r>
+            <a:r>
+              <a:rPr lang="hu-HU" sz="1800" dirty="0">
+                <a:solidFill>
+                  <a:schemeClr val="tx1"/>
+                </a:solidFill>
+                <a:latin typeface="Times New Roman" panose="02020603050405020304" pitchFamily="18" charset="0"/>
+                <a:cs typeface="Times New Roman" panose="02020603050405020304" pitchFamily="18" charset="0"/>
+              </a:rPr>
+              <a:t>)</a:t>
+            </a:r>
+          </a:p>
+          <a:p>
+            <a:pPr lvl="1"/>
+            <a:r>
+              <a:rPr lang="hu-HU" sz="1800" dirty="0">
+                <a:solidFill>
+                  <a:schemeClr val="tx1"/>
+                </a:solidFill>
+                <a:latin typeface="Times New Roman" panose="02020603050405020304" pitchFamily="18" charset="0"/>
+                <a:cs typeface="Times New Roman" panose="02020603050405020304" pitchFamily="18" charset="0"/>
+              </a:rPr>
+              <a:t>VPN (</a:t>
+            </a:r>
+            <a:r>
+              <a:rPr lang="hu-HU" sz="1800" dirty="0" err="1">
+                <a:solidFill>
+                  <a:schemeClr val="tx1"/>
+                </a:solidFill>
+                <a:latin typeface="Times New Roman" panose="02020603050405020304" pitchFamily="18" charset="0"/>
+                <a:cs typeface="Times New Roman" panose="02020603050405020304" pitchFamily="18" charset="0"/>
+              </a:rPr>
+              <a:t>Virtual</a:t>
+            </a:r>
+            <a:r>
+              <a:rPr lang="hu-HU" sz="1800" dirty="0">
+                <a:solidFill>
+                  <a:schemeClr val="tx1"/>
+                </a:solidFill>
+                <a:latin typeface="Times New Roman" panose="02020603050405020304" pitchFamily="18" charset="0"/>
+                <a:cs typeface="Times New Roman" panose="02020603050405020304" pitchFamily="18" charset="0"/>
+              </a:rPr>
+              <a:t> </a:t>
+            </a:r>
+            <a:r>
+              <a:rPr lang="hu-HU" sz="1800" dirty="0" err="1">
+                <a:solidFill>
+                  <a:schemeClr val="tx1"/>
+                </a:solidFill>
+                <a:latin typeface="Times New Roman" panose="02020603050405020304" pitchFamily="18" charset="0"/>
+                <a:cs typeface="Times New Roman" panose="02020603050405020304" pitchFamily="18" charset="0"/>
+              </a:rPr>
+              <a:t>Private</a:t>
+            </a:r>
+            <a:r>
+              <a:rPr lang="hu-HU" sz="1800" dirty="0">
+                <a:solidFill>
+                  <a:schemeClr val="tx1"/>
+                </a:solidFill>
+                <a:latin typeface="Times New Roman" panose="02020603050405020304" pitchFamily="18" charset="0"/>
+                <a:cs typeface="Times New Roman" panose="02020603050405020304" pitchFamily="18" charset="0"/>
+              </a:rPr>
+              <a:t> Network)</a:t>
+            </a:r>
           </a:p>
         </p:txBody>
       </p:sp>
@@ -5138,6 +5690,18 @@
   <p:clrMapOvr>
     <a:masterClrMapping/>
   </p:clrMapOvr>
+  <mc:AlternateContent xmlns:mc="http://schemas.openxmlformats.org/markup-compatibility/2006">
+    <mc:Choice xmlns:p159="http://schemas.microsoft.com/office/powerpoint/2015/09/main" Requires="p159">
+      <p:transition xmlns:p14="http://schemas.microsoft.com/office/powerpoint/2010/main" spd="slow" p14:dur="2000">
+        <p159:morph option="byObject"/>
+      </p:transition>
+    </mc:Choice>
+    <mc:Fallback>
+      <p:transition spd="slow">
+        <p:fade/>
+      </p:transition>
+    </mc:Fallback>
+  </mc:AlternateContent>
 </p:sld>
 </file>
 
@@ -5461,6 +6025,101 @@
     <p:extLst>
       <p:ext uri="{BB962C8B-B14F-4D97-AF65-F5344CB8AC3E}">
         <p14:creationId xmlns:p14="http://schemas.microsoft.com/office/powerpoint/2010/main" val="2494027835"/>
+      </p:ext>
+    </p:extLst>
+  </p:cSld>
+  <p:clrMapOvr>
+    <a:masterClrMapping/>
+  </p:clrMapOvr>
+  <mc:AlternateContent xmlns:mc="http://schemas.openxmlformats.org/markup-compatibility/2006">
+    <mc:Choice xmlns:p159="http://schemas.microsoft.com/office/powerpoint/2015/09/main" Requires="p159">
+      <p:transition xmlns:p14="http://schemas.microsoft.com/office/powerpoint/2010/main" spd="slow" p14:dur="2000">
+        <p159:morph option="byObject"/>
+      </p:transition>
+    </mc:Choice>
+    <mc:Fallback>
+      <p:transition spd="slow">
+        <p:fade/>
+      </p:transition>
+    </mc:Fallback>
+  </mc:AlternateContent>
+</p:sld>
+</file>
+
+<file path=ppt/slides/slide9.xml><?xml version="1.0" encoding="utf-8"?>
+<p:sld xmlns:a="http://schemas.openxmlformats.org/drawingml/2006/main" xmlns:r="http://schemas.openxmlformats.org/officeDocument/2006/relationships" xmlns:p="http://schemas.openxmlformats.org/presentationml/2006/main">
+  <p:cSld>
+    <p:spTree>
+      <p:nvGrpSpPr>
+        <p:cNvPr id="1" name=""/>
+        <p:cNvGrpSpPr/>
+        <p:nvPr/>
+      </p:nvGrpSpPr>
+      <p:grpSpPr>
+        <a:xfrm>
+          <a:off x="0" y="0"/>
+          <a:ext cx="0" cy="0"/>
+          <a:chOff x="0" y="0"/>
+          <a:chExt cx="0" cy="0"/>
+        </a:xfrm>
+      </p:grpSpPr>
+      <p:sp>
+        <p:nvSpPr>
+          <p:cNvPr id="2" name="Cím 1">
+            <a:extLst>
+              <a:ext uri="{FF2B5EF4-FFF2-40B4-BE49-F238E27FC236}">
+                <a16:creationId xmlns:a16="http://schemas.microsoft.com/office/drawing/2014/main" id="{9A51BC2E-D7A4-A882-4652-0965DA7C020E}"/>
+              </a:ext>
+            </a:extLst>
+          </p:cNvPr>
+          <p:cNvSpPr>
+            <a:spLocks noGrp="1"/>
+          </p:cNvSpPr>
+          <p:nvPr>
+            <p:ph type="title"/>
+          </p:nvPr>
+        </p:nvSpPr>
+        <p:spPr/>
+        <p:txBody>
+          <a:bodyPr/>
+          <a:lstStyle/>
+          <a:p>
+            <a:r>
+              <a:rPr lang="hu-HU" dirty="0"/>
+              <a:t>Köszönjük a figyelmet!</a:t>
+            </a:r>
+          </a:p>
+        </p:txBody>
+      </p:sp>
+      <p:sp>
+        <p:nvSpPr>
+          <p:cNvPr id="3" name="Tartalom helye 2">
+            <a:extLst>
+              <a:ext uri="{FF2B5EF4-FFF2-40B4-BE49-F238E27FC236}">
+                <a16:creationId xmlns:a16="http://schemas.microsoft.com/office/drawing/2014/main" id="{BF390835-3143-623D-79D2-ABD0AD0EA8F7}"/>
+              </a:ext>
+            </a:extLst>
+          </p:cNvPr>
+          <p:cNvSpPr>
+            <a:spLocks noGrp="1"/>
+          </p:cNvSpPr>
+          <p:nvPr>
+            <p:ph idx="1"/>
+          </p:nvPr>
+        </p:nvSpPr>
+        <p:spPr/>
+        <p:txBody>
+          <a:bodyPr/>
+          <a:lstStyle/>
+          <a:p>
+            <a:endParaRPr lang="hu-HU"/>
+          </a:p>
+        </p:txBody>
+      </p:sp>
+    </p:spTree>
+    <p:extLst>
+      <p:ext uri="{BB962C8B-B14F-4D97-AF65-F5344CB8AC3E}">
+        <p14:creationId xmlns:p14="http://schemas.microsoft.com/office/powerpoint/2010/main" val="1768774079"/>
       </p:ext>
     </p:extLst>
   </p:cSld>
